--- a/Ideathon_kickoff_session.pptx
+++ b/Ideathon_kickoff_session.pptx
@@ -7176,6 +7176,35 @@
             </a:r>
           </a:p>
           <a:p>
+            <a:pPr lvl="1" fontAlgn="base">
+              <a:lnSpc>
+                <a:spcPct val="120000"/>
+              </a:lnSpc>
+            </a:pPr>
+            <a:r>
+              <a:rPr lang="en-CA" sz="1800" b="1" dirty="0">
+                <a:solidFill>
+                  <a:srgbClr val="002060"/>
+                </a:solidFill>
+                <a:cs typeface="Calibri" panose="020F0502020204030204" pitchFamily="34" charset="0"/>
+              </a:rPr>
+              <a:t>    Team-## for your team work</a:t>
+            </a:r>
+          </a:p>
+          <a:p>
+            <a:pPr lvl="1" fontAlgn="base">
+              <a:lnSpc>
+                <a:spcPct val="120000"/>
+              </a:lnSpc>
+            </a:pPr>
+            <a:endParaRPr lang="en-CA" sz="1800" b="1" dirty="0">
+              <a:solidFill>
+                <a:srgbClr val="002060"/>
+              </a:solidFill>
+              <a:cs typeface="Calibri" panose="020F0502020204030204" pitchFamily="34" charset="0"/>
+            </a:endParaRPr>
+          </a:p>
+          <a:p>
             <a:pPr marL="800100" lvl="1" indent="-342900" fontAlgn="base">
               <a:lnSpc>
                 <a:spcPct val="120000"/>
@@ -7250,6 +7279,45 @@
           </a:p>
         </p:txBody>
       </p:sp>
+      <p:pic>
+        <p:nvPicPr>
+          <p:cNvPr id="7" name="Graphic 6" descr="Lock with solid fill">
+            <a:extLst>
+              <a:ext uri="{FF2B5EF4-FFF2-40B4-BE49-F238E27FC236}">
+                <a16:creationId xmlns:a16="http://schemas.microsoft.com/office/drawing/2014/main" id="{0EB1879A-8EB4-0479-FDD0-81333CA957B0}"/>
+              </a:ext>
+            </a:extLst>
+          </p:cNvPr>
+          <p:cNvPicPr>
+            <a:picLocks noChangeAspect="1"/>
+          </p:cNvPicPr>
+          <p:nvPr/>
+        </p:nvPicPr>
+        <p:blipFill>
+          <a:blip r:embed="rId7">
+            <a:extLst>
+              <a:ext uri="{28A0092B-C50C-407E-A947-70E740481C1C}">
+                <a14:useLocalDpi xmlns:a14="http://schemas.microsoft.com/office/drawing/2010/main" val="0"/>
+              </a:ext>
+              <a:ext uri="{96DAC541-7B7A-43D3-8B79-37D633B846F1}">
+                <asvg:svgBlip xmlns:asvg="http://schemas.microsoft.com/office/drawing/2016/SVG/main" r:embed="rId8"/>
+              </a:ext>
+            </a:extLst>
+          </a:blip>
+          <a:stretch>
+            <a:fillRect/>
+          </a:stretch>
+        </p:blipFill>
+        <p:spPr>
+          <a:xfrm>
+            <a:off x="1356000" y="3757807"/>
+            <a:ext cx="291231" cy="291231"/>
+          </a:xfrm>
+          <a:prstGeom prst="rect">
+            <a:avLst/>
+          </a:prstGeom>
+        </p:spPr>
+      </p:pic>
     </p:spTree>
     <p:extLst>
       <p:ext uri="{BB962C8B-B14F-4D97-AF65-F5344CB8AC3E}">
@@ -9485,6 +9553,43 @@
                 <a:cs typeface="Calibri" panose="020F0502020204030204" pitchFamily="34" charset="0"/>
               </a:rPr>
               <a:t>Area &amp; Topic</a:t>
+            </a:r>
+          </a:p>
+        </p:txBody>
+      </p:sp>
+      <p:sp>
+        <p:nvSpPr>
+          <p:cNvPr id="6" name="TextBox 5">
+            <a:extLst>
+              <a:ext uri="{FF2B5EF4-FFF2-40B4-BE49-F238E27FC236}">
+                <a16:creationId xmlns:a16="http://schemas.microsoft.com/office/drawing/2014/main" id="{CAF99ED0-BC17-FD4D-8C41-ABC55018922D}"/>
+              </a:ext>
+            </a:extLst>
+          </p:cNvPr>
+          <p:cNvSpPr txBox="1"/>
+          <p:nvPr/>
+        </p:nvSpPr>
+        <p:spPr>
+          <a:xfrm rot="20339175">
+            <a:off x="4253678" y="4206347"/>
+            <a:ext cx="3305108" cy="646331"/>
+          </a:xfrm>
+          <a:prstGeom prst="rect">
+            <a:avLst/>
+          </a:prstGeom>
+          <a:solidFill>
+            <a:srgbClr val="FFFF00"/>
+          </a:solidFill>
+        </p:spPr>
+        <p:txBody>
+          <a:bodyPr wrap="square" rtlCol="0">
+            <a:spAutoFit/>
+          </a:bodyPr>
+          <a:lstStyle/>
+          <a:p>
+            <a:r>
+              <a:rPr lang="en-CH" dirty="0"/>
+              <a:t>Please fill one slide per team and send it to marc.lecoultre@itu.int</a:t>
             </a:r>
           </a:p>
         </p:txBody>
